--- a/Final project/final_presentation.pptx
+++ b/Final project/final_presentation.pptx
@@ -3748,9 +3748,215 @@
           <a:chExt cx="0" cy="0"/>
         </a:xfrm>
       </p:grpSpPr>
+      <p:sp>
+        <p:nvSpPr>
+          <p:cNvPr id="3" name="TextBox 2"/>
+          <p:cNvSpPr txBox="1"/>
+          <p:nvPr/>
+        </p:nvSpPr>
+        <p:spPr>
+          <a:xfrm>
+            <a:off x="0" y="0"/>
+            <a:ext cx="8592466" cy="1569660"/>
+          </a:xfrm>
+          <a:prstGeom prst="rect">
+            <a:avLst/>
+          </a:prstGeom>
+          <a:noFill/>
+        </p:spPr>
+        <p:txBody>
+          <a:bodyPr wrap="none" rtlCol="0">
+            <a:spAutoFit/>
+          </a:bodyPr>
+          <a:lstStyle/>
+          <a:p>
+            <a:r>
+              <a:rPr lang="en-US" sz="2400" dirty="0" smtClean="0"/>
+              <a:t>Comparison of the analytical diffusion and MC solutions for the flux</a:t>
+            </a:r>
+          </a:p>
+          <a:p>
+            <a:r>
+              <a:rPr lang="en-US" dirty="0" err="1" smtClean="0"/>
+              <a:t>x</a:t>
+            </a:r>
+            <a:r>
+              <a:rPr lang="en-US" baseline="-25000" dirty="0" err="1" smtClean="0"/>
+              <a:t>source</a:t>
+            </a:r>
+            <a:r>
+              <a:rPr lang="en-US" dirty="0" smtClean="0"/>
+              <a:t> = </a:t>
+            </a:r>
+            <a:r>
+              <a:rPr lang="en-US" dirty="0" smtClean="0"/>
+              <a:t>0</a:t>
+            </a:r>
+            <a:r>
+              <a:rPr lang="en-US" dirty="0" smtClean="0"/>
+              <a:t>				</a:t>
+            </a:r>
+            <a:r>
+              <a:rPr lang="en-US" dirty="0"/>
+              <a:t>Cross-sections equal in each region</a:t>
+            </a:r>
+            <a:r>
+              <a:rPr lang="en-US" dirty="0" smtClean="0"/>
+              <a:t>:</a:t>
+            </a:r>
+          </a:p>
+          <a:p>
+            <a:r>
+              <a:rPr lang="en-US" dirty="0" err="1" smtClean="0"/>
+              <a:t>x</a:t>
+            </a:r>
+            <a:r>
+              <a:rPr lang="en-US" baseline="-25000" dirty="0" err="1" smtClean="0"/>
+              <a:t>interface</a:t>
+            </a:r>
+            <a:r>
+              <a:rPr lang="en-US" dirty="0" smtClean="0"/>
+              <a:t> </a:t>
+            </a:r>
+            <a:r>
+              <a:rPr lang="en-US" smtClean="0"/>
+              <a:t>= </a:t>
+            </a:r>
+            <a:r>
+              <a:rPr lang="en-US" smtClean="0"/>
+              <a:t>1</a:t>
+            </a:r>
+            <a:r>
+              <a:rPr lang="en-US" dirty="0" smtClean="0"/>
+              <a:t>			</a:t>
+            </a:r>
+            <a:r>
+              <a:rPr lang="en-US" dirty="0" err="1">
+                <a:latin typeface="Lucida Grande"/>
+                <a:ea typeface="Lucida Grande"/>
+                <a:cs typeface="Lucida Grande"/>
+              </a:rPr>
+              <a:t>Σ</a:t>
+            </a:r>
+            <a:r>
+              <a:rPr lang="en-US" baseline="-25000" dirty="0" err="1"/>
+              <a:t>t</a:t>
+            </a:r>
+            <a:r>
+              <a:rPr lang="en-US" dirty="0"/>
+              <a:t>(1) </a:t>
+            </a:r>
+            <a:r>
+              <a:rPr lang="en-US" dirty="0"/>
+              <a:t>&lt;</a:t>
+            </a:r>
+            <a:r>
+              <a:rPr lang="en-US" dirty="0" smtClean="0"/>
+              <a:t> </a:t>
+            </a:r>
+            <a:r>
+              <a:rPr lang="en-US" dirty="0" err="1">
+                <a:latin typeface="Lucida Grande"/>
+                <a:ea typeface="Lucida Grande"/>
+                <a:cs typeface="Lucida Grande"/>
+              </a:rPr>
+              <a:t>Σ</a:t>
+            </a:r>
+            <a:r>
+              <a:rPr lang="en-US" baseline="-25000" dirty="0" err="1"/>
+              <a:t>t</a:t>
+            </a:r>
+            <a:r>
+              <a:rPr lang="en-US" dirty="0"/>
+              <a:t>(2) </a:t>
+            </a:r>
+            <a:endParaRPr lang="en-US" dirty="0" smtClean="0"/>
+          </a:p>
+          <a:p>
+            <a:r>
+              <a:rPr lang="en-US" dirty="0" smtClean="0"/>
+              <a:t>a = -6, b = 6	</a:t>
+            </a:r>
+            <a:r>
+              <a:rPr lang="en-US" dirty="0"/>
+              <a:t>		</a:t>
+            </a:r>
+            <a:r>
+              <a:rPr lang="en-US" dirty="0" err="1">
+                <a:latin typeface="Lucida Grande"/>
+                <a:ea typeface="Lucida Grande"/>
+                <a:cs typeface="Lucida Grande"/>
+              </a:rPr>
+              <a:t>Σ</a:t>
+            </a:r>
+            <a:r>
+              <a:rPr lang="en-US" baseline="-25000" dirty="0" err="1"/>
+              <a:t>s</a:t>
+            </a:r>
+            <a:r>
+              <a:rPr lang="en-US" dirty="0"/>
+              <a:t>(1) </a:t>
+            </a:r>
+            <a:r>
+              <a:rPr lang="en-US" dirty="0"/>
+              <a:t>=</a:t>
+            </a:r>
+            <a:r>
+              <a:rPr lang="en-US" dirty="0" smtClean="0"/>
+              <a:t> </a:t>
+            </a:r>
+            <a:r>
+              <a:rPr lang="en-US" dirty="0" err="1">
+                <a:latin typeface="Lucida Grande"/>
+                <a:ea typeface="Lucida Grande"/>
+                <a:cs typeface="Lucida Grande"/>
+              </a:rPr>
+              <a:t>Σ</a:t>
+            </a:r>
+            <a:r>
+              <a:rPr lang="en-US" baseline="-25000" dirty="0" err="1"/>
+              <a:t>s</a:t>
+            </a:r>
+            <a:r>
+              <a:rPr lang="en-US" dirty="0"/>
+              <a:t>(2) </a:t>
+            </a:r>
+            <a:endParaRPr lang="en-US" dirty="0" smtClean="0"/>
+          </a:p>
+          <a:p>
+            <a:r>
+              <a:rPr lang="en-US" dirty="0" smtClean="0"/>
+              <a:t>S = 10</a:t>
+            </a:r>
+          </a:p>
+        </p:txBody>
+      </p:sp>
+      <p:sp>
+        <p:nvSpPr>
+          <p:cNvPr id="4" name="Slide Number Placeholder 3"/>
+          <p:cNvSpPr>
+            <a:spLocks noGrp="1"/>
+          </p:cNvSpPr>
+          <p:nvPr>
+            <p:ph type="sldNum" sz="quarter" idx="12"/>
+          </p:nvPr>
+        </p:nvSpPr>
+        <p:spPr/>
+        <p:txBody>
+          <a:bodyPr/>
+          <a:lstStyle/>
+          <a:p>
+            <a:fld id="{31DA524E-E672-7642-B42A-278CEDFDF94D}" type="slidenum">
+              <a:rPr lang="en-US" smtClean="0"/>
+              <a:t>9</a:t>
+            </a:fld>
+            <a:endParaRPr lang="en-US"/>
+          </a:p>
+        </p:txBody>
+      </p:sp>
       <p:pic>
         <p:nvPicPr>
-          <p:cNvPr id="2" name="Picture 1" descr="mc_result1.png"/>
+          <p:cNvPr id="5" name="Picture 4" descr="mc_result1.png"/>
           <p:cNvPicPr>
             <a:picLocks noChangeAspect="1"/>
           </p:cNvPicPr>
@@ -3778,184 +3984,6 @@
           </a:prstGeom>
         </p:spPr>
       </p:pic>
-      <p:sp>
-        <p:nvSpPr>
-          <p:cNvPr id="3" name="TextBox 2"/>
-          <p:cNvSpPr txBox="1"/>
-          <p:nvPr/>
-        </p:nvSpPr>
-        <p:spPr>
-          <a:xfrm>
-            <a:off x="0" y="0"/>
-            <a:ext cx="8592466" cy="1569660"/>
-          </a:xfrm>
-          <a:prstGeom prst="rect">
-            <a:avLst/>
-          </a:prstGeom>
-          <a:noFill/>
-        </p:spPr>
-        <p:txBody>
-          <a:bodyPr wrap="none" rtlCol="0">
-            <a:spAutoFit/>
-          </a:bodyPr>
-          <a:lstStyle/>
-          <a:p>
-            <a:r>
-              <a:rPr lang="en-US" sz="2400" dirty="0" smtClean="0"/>
-              <a:t>Comparison of the analytical diffusion and MC solutions for the flux</a:t>
-            </a:r>
-          </a:p>
-          <a:p>
-            <a:r>
-              <a:rPr lang="en-US" dirty="0" err="1" smtClean="0"/>
-              <a:t>x</a:t>
-            </a:r>
-            <a:r>
-              <a:rPr lang="en-US" baseline="-25000" dirty="0" err="1" smtClean="0"/>
-              <a:t>source</a:t>
-            </a:r>
-            <a:r>
-              <a:rPr lang="en-US" dirty="0" smtClean="0"/>
-              <a:t> = 1				</a:t>
-            </a:r>
-            <a:r>
-              <a:rPr lang="en-US" dirty="0"/>
-              <a:t>Cross-sections equal in each region</a:t>
-            </a:r>
-            <a:r>
-              <a:rPr lang="en-US" dirty="0" smtClean="0"/>
-              <a:t>:</a:t>
-            </a:r>
-          </a:p>
-          <a:p>
-            <a:r>
-              <a:rPr lang="en-US" dirty="0" err="1" smtClean="0"/>
-              <a:t>x</a:t>
-            </a:r>
-            <a:r>
-              <a:rPr lang="en-US" baseline="-25000" dirty="0" err="1" smtClean="0"/>
-              <a:t>interface</a:t>
-            </a:r>
-            <a:r>
-              <a:rPr lang="en-US" dirty="0" smtClean="0"/>
-              <a:t> = -1			</a:t>
-            </a:r>
-            <a:r>
-              <a:rPr lang="en-US" dirty="0" err="1">
-                <a:latin typeface="Lucida Grande"/>
-                <a:ea typeface="Lucida Grande"/>
-                <a:cs typeface="Lucida Grande"/>
-              </a:rPr>
-              <a:t>Σ</a:t>
-            </a:r>
-            <a:r>
-              <a:rPr lang="en-US" baseline="-25000" dirty="0" err="1"/>
-              <a:t>t</a:t>
-            </a:r>
-            <a:r>
-              <a:rPr lang="en-US" dirty="0"/>
-              <a:t>(1) </a:t>
-            </a:r>
-            <a:r>
-              <a:rPr lang="en-US" dirty="0" smtClean="0"/>
-              <a:t>≠ </a:t>
-            </a:r>
-            <a:r>
-              <a:rPr lang="en-US" dirty="0" err="1">
-                <a:latin typeface="Lucida Grande"/>
-                <a:ea typeface="Lucida Grande"/>
-                <a:cs typeface="Lucida Grande"/>
-              </a:rPr>
-              <a:t>Σ</a:t>
-            </a:r>
-            <a:r>
-              <a:rPr lang="en-US" baseline="-25000" dirty="0" err="1"/>
-              <a:t>t</a:t>
-            </a:r>
-            <a:r>
-              <a:rPr lang="en-US" dirty="0"/>
-              <a:t>(2) </a:t>
-            </a:r>
-            <a:endParaRPr lang="en-US" dirty="0" smtClean="0"/>
-          </a:p>
-          <a:p>
-            <a:r>
-              <a:rPr lang="en-US" dirty="0" smtClean="0"/>
-              <a:t>a = -6, b = 6	</a:t>
-            </a:r>
-            <a:r>
-              <a:rPr lang="en-US" dirty="0"/>
-              <a:t>		</a:t>
-            </a:r>
-            <a:r>
-              <a:rPr lang="en-US" dirty="0" err="1">
-                <a:latin typeface="Lucida Grande"/>
-                <a:ea typeface="Lucida Grande"/>
-                <a:cs typeface="Lucida Grande"/>
-              </a:rPr>
-              <a:t>Σ</a:t>
-            </a:r>
-            <a:r>
-              <a:rPr lang="en-US" baseline="-25000" dirty="0" err="1"/>
-              <a:t>s</a:t>
-            </a:r>
-            <a:r>
-              <a:rPr lang="en-US" dirty="0"/>
-              <a:t>(1) </a:t>
-            </a:r>
-            <a:r>
-              <a:rPr lang="en-US" dirty="0" smtClean="0"/>
-              <a:t>≠ </a:t>
-            </a:r>
-            <a:r>
-              <a:rPr lang="en-US" dirty="0" err="1">
-                <a:latin typeface="Lucida Grande"/>
-                <a:ea typeface="Lucida Grande"/>
-                <a:cs typeface="Lucida Grande"/>
-              </a:rPr>
-              <a:t>Σ</a:t>
-            </a:r>
-            <a:r>
-              <a:rPr lang="en-US" baseline="-25000" dirty="0" err="1"/>
-              <a:t>s</a:t>
-            </a:r>
-            <a:r>
-              <a:rPr lang="en-US" dirty="0"/>
-              <a:t>(2) </a:t>
-            </a:r>
-            <a:endParaRPr lang="en-US" dirty="0" smtClean="0"/>
-          </a:p>
-          <a:p>
-            <a:r>
-              <a:rPr lang="en-US" dirty="0" smtClean="0"/>
-              <a:t>S = 10</a:t>
-            </a:r>
-          </a:p>
-        </p:txBody>
-      </p:sp>
-      <p:sp>
-        <p:nvSpPr>
-          <p:cNvPr id="4" name="Slide Number Placeholder 3"/>
-          <p:cNvSpPr>
-            <a:spLocks noGrp="1"/>
-          </p:cNvSpPr>
-          <p:nvPr>
-            <p:ph type="sldNum" sz="quarter" idx="12"/>
-          </p:nvPr>
-        </p:nvSpPr>
-        <p:spPr/>
-        <p:txBody>
-          <a:bodyPr/>
-          <a:lstStyle/>
-          <a:p>
-            <a:fld id="{31DA524E-E672-7642-B42A-278CEDFDF94D}" type="slidenum">
-              <a:rPr lang="en-US" smtClean="0"/>
-              <a:t>9</a:t>
-            </a:fld>
-            <a:endParaRPr lang="en-US"/>
-          </a:p>
-        </p:txBody>
-      </p:sp>
     </p:spTree>
     <p:extLst>
       <p:ext uri="{BB962C8B-B14F-4D97-AF65-F5344CB8AC3E}">
@@ -7142,14 +7170,7 @@
                 <a:latin typeface="Calibri"/>
                 <a:cs typeface="Calibri"/>
               </a:rPr>
-              <a:t>Sampling </a:t>
-            </a:r>
-            <a:r>
-              <a:rPr lang="en-US" u="sng" dirty="0" smtClean="0">
-                <a:latin typeface="Calibri"/>
-                <a:cs typeface="Calibri"/>
-              </a:rPr>
-              <a:t>direction</a:t>
+              <a:t>Sampling direction</a:t>
             </a:r>
             <a:endParaRPr lang="en-US" u="sng" dirty="0">
               <a:latin typeface="Calibri"/>
@@ -7304,14 +7325,7 @@
                 <a:latin typeface="Calibri"/>
                 <a:cs typeface="Calibri"/>
               </a:rPr>
-              <a:t>Sampling </a:t>
-            </a:r>
-            <a:r>
-              <a:rPr lang="en-US" u="sng" dirty="0" smtClean="0">
-                <a:latin typeface="Calibri"/>
-                <a:cs typeface="Calibri"/>
-              </a:rPr>
-              <a:t>angle</a:t>
+              <a:t>Sampling angle</a:t>
             </a:r>
           </a:p>
           <a:p>
@@ -7465,14 +7479,7 @@
                   <a:latin typeface="Calibri"/>
                   <a:cs typeface="Calibri"/>
                 </a:rPr>
-                <a:t>Sampling </a:t>
-              </a:r>
-              <a:r>
-                <a:rPr lang="en-US" u="sng" dirty="0" smtClean="0">
-                  <a:latin typeface="Calibri"/>
-                  <a:cs typeface="Calibri"/>
-                </a:rPr>
-                <a:t>path length</a:t>
+                <a:t>Sampling path length</a:t>
               </a:r>
               <a:endParaRPr lang="en-US" u="sng" dirty="0">
                 <a:latin typeface="Calibri"/>
@@ -7567,7 +7574,7 @@
             <a:graphicData uri="http://schemas.openxmlformats.org/presentationml/2006/ole">
               <mc:AlternateContent xmlns:mc="http://schemas.openxmlformats.org/markup-compatibility/2006">
                 <mc:Choice xmlns:v="urn:schemas-microsoft-com:vml" Requires="v">
-                  <p:oleObj spid="_x0000_s1085" name="Equation" r:id="rId3" imgW="723900" imgH="406400" progId="Equation.3">
+                  <p:oleObj spid="_x0000_s1092" name="Equation" r:id="rId3" imgW="723900" imgH="406400" progId="Equation.3">
                     <p:embed/>
                   </p:oleObj>
                 </mc:Choice>
@@ -7654,14 +7661,7 @@
                   <a:latin typeface="Calibri"/>
                   <a:cs typeface="Calibri"/>
                 </a:rPr>
-                <a:t>Sampling </a:t>
-              </a:r>
-              <a:r>
-                <a:rPr lang="en-US" u="sng" dirty="0" smtClean="0">
-                  <a:latin typeface="Calibri"/>
-                  <a:cs typeface="Calibri"/>
-                </a:rPr>
-                <a:t>reaction</a:t>
+                <a:t>Sampling reaction</a:t>
               </a:r>
               <a:endParaRPr lang="en-US" u="sng" dirty="0">
                 <a:latin typeface="Calibri"/>
@@ -7832,7 +7832,7 @@
             <a:graphicData uri="http://schemas.openxmlformats.org/presentationml/2006/ole">
               <mc:AlternateContent xmlns:mc="http://schemas.openxmlformats.org/markup-compatibility/2006">
                 <mc:Choice xmlns:v="urn:schemas-microsoft-com:vml" Requires="v">
-                  <p:oleObj spid="_x0000_s1086" name="Equation" r:id="rId5" imgW="419100" imgH="368300" progId="Equation.3">
+                  <p:oleObj spid="_x0000_s1093" name="Equation" r:id="rId5" imgW="419100" imgH="368300" progId="Equation.3">
                     <p:embed/>
                   </p:oleObj>
                 </mc:Choice>
@@ -9855,7 +9855,7 @@
           <a:graphicData uri="http://schemas.openxmlformats.org/presentationml/2006/ole">
             <mc:AlternateContent xmlns:mc="http://schemas.openxmlformats.org/markup-compatibility/2006">
               <mc:Choice xmlns:v="urn:schemas-microsoft-com:vml" Requires="v">
-                <p:oleObj spid="_x0000_s2099" name="Equation" r:id="rId3" imgW="685800" imgH="317500" progId="Equation.3">
+                <p:oleObj spid="_x0000_s2106" name="Equation" r:id="rId3" imgW="685800" imgH="317500" progId="Equation.3">
                   <p:embed/>
                 </p:oleObj>
               </mc:Choice>
@@ -9912,7 +9912,7 @@
           <a:graphicData uri="http://schemas.openxmlformats.org/presentationml/2006/ole">
             <mc:AlternateContent xmlns:mc="http://schemas.openxmlformats.org/markup-compatibility/2006">
               <mc:Choice xmlns:v="urn:schemas-microsoft-com:vml" Requires="v">
-                <p:oleObj spid="_x0000_s2100" name="Equation" r:id="rId5" imgW="698500" imgH="317500" progId="Equation.3">
+                <p:oleObj spid="_x0000_s2107" name="Equation" r:id="rId5" imgW="698500" imgH="317500" progId="Equation.3">
                   <p:embed/>
                 </p:oleObj>
               </mc:Choice>
@@ -10900,7 +10900,7 @@
           <a:graphicData uri="http://schemas.openxmlformats.org/presentationml/2006/ole">
             <mc:AlternateContent xmlns:mc="http://schemas.openxmlformats.org/markup-compatibility/2006">
               <mc:Choice xmlns:v="urn:schemas-microsoft-com:vml" Requires="v">
-                <p:oleObj spid="_x0000_s4139" name="Equation" r:id="rId3" imgW="1181100" imgH="406400" progId="Equation.3">
+                <p:oleObj spid="_x0000_s4146" name="Equation" r:id="rId3" imgW="1181100" imgH="406400" progId="Equation.3">
                   <p:embed/>
                 </p:oleObj>
               </mc:Choice>
@@ -10957,7 +10957,7 @@
           <a:graphicData uri="http://schemas.openxmlformats.org/presentationml/2006/ole">
             <mc:AlternateContent xmlns:mc="http://schemas.openxmlformats.org/markup-compatibility/2006">
               <mc:Choice xmlns:v="urn:schemas-microsoft-com:vml" Requires="v">
-                <p:oleObj spid="_x0000_s4140" name="Equation" r:id="rId5" imgW="2984500" imgH="1562100" progId="Equation.3">
+                <p:oleObj spid="_x0000_s4147" name="Equation" r:id="rId5" imgW="2984500" imgH="1562100" progId="Equation.3">
                   <p:embed/>
                 </p:oleObj>
               </mc:Choice>
@@ -11675,7 +11675,7 @@
           <a:graphicData uri="http://schemas.openxmlformats.org/presentationml/2006/ole">
             <mc:AlternateContent xmlns:mc="http://schemas.openxmlformats.org/markup-compatibility/2006">
               <mc:Choice xmlns:v="urn:schemas-microsoft-com:vml" Requires="v">
-                <p:oleObj spid="_x0000_s5181" name="Equation" r:id="rId3" imgW="1917700" imgH="342900" progId="Equation.3">
+                <p:oleObj spid="_x0000_s5194" name="Equation" r:id="rId3" imgW="1917700" imgH="342900" progId="Equation.3">
                   <p:embed/>
                 </p:oleObj>
               </mc:Choice>
@@ -11802,7 +11802,7 @@
           <a:graphicData uri="http://schemas.openxmlformats.org/presentationml/2006/ole">
             <mc:AlternateContent xmlns:mc="http://schemas.openxmlformats.org/markup-compatibility/2006">
               <mc:Choice xmlns:v="urn:schemas-microsoft-com:vml" Requires="v">
-                <p:oleObj spid="_x0000_s5182" name="Equation" r:id="rId5" imgW="800100" imgH="215900" progId="Equation.3">
+                <p:oleObj spid="_x0000_s5195" name="Equation" r:id="rId5" imgW="800100" imgH="215900" progId="Equation.3">
                   <p:embed/>
                 </p:oleObj>
               </mc:Choice>
@@ -11859,7 +11859,7 @@
           <a:graphicData uri="http://schemas.openxmlformats.org/presentationml/2006/ole">
             <mc:AlternateContent xmlns:mc="http://schemas.openxmlformats.org/markup-compatibility/2006">
               <mc:Choice xmlns:v="urn:schemas-microsoft-com:vml" Requires="v">
-                <p:oleObj spid="_x0000_s5183" name="Equation" r:id="rId7" imgW="1130300" imgH="342900" progId="Equation.3">
+                <p:oleObj spid="_x0000_s5196" name="Equation" r:id="rId7" imgW="1130300" imgH="342900" progId="Equation.3">
                   <p:embed/>
                 </p:oleObj>
               </mc:Choice>
@@ -11916,7 +11916,7 @@
           <a:graphicData uri="http://schemas.openxmlformats.org/presentationml/2006/ole">
             <mc:AlternateContent xmlns:mc="http://schemas.openxmlformats.org/markup-compatibility/2006">
               <mc:Choice xmlns:v="urn:schemas-microsoft-com:vml" Requires="v">
-                <p:oleObj spid="_x0000_s5184" name="Equation" r:id="rId9" imgW="2552700" imgH="1104900" progId="Equation.3">
+                <p:oleObj spid="_x0000_s5197" name="Equation" r:id="rId9" imgW="2552700" imgH="1104900" progId="Equation.3">
                   <p:embed/>
                 </p:oleObj>
               </mc:Choice>
